--- a/Food_Access_Program_Deployment_Plan.pptx
+++ b/Food_Access_Program_Deployment_Plan.pptx
@@ -7520,10 +7520,10 @@
               <a:buNone/>
             </a:pPr>
             <a:r>
-              <a:rPr lang="en"/>
-              <a:t>Table of contents</a:t>
+              <a:rPr lang="en" dirty="0"/>
+              <a:t>Overview</a:t>
             </a:r>
-            <a:endParaRPr/>
+            <a:endParaRPr dirty="0"/>
           </a:p>
         </p:txBody>
       </p:sp>
@@ -7545,7 +7545,7 @@
         </p:nvSpPr>
         <p:spPr>
           <a:xfrm>
-            <a:off x="720000" y="2661186"/>
+            <a:off x="567600" y="2661186"/>
             <a:ext cx="2305500" cy="548700"/>
           </a:xfrm>
           <a:prstGeom prst="rect">
@@ -7558,7 +7558,7 @@
           </a:bodyPr>
           <a:lstStyle/>
           <a:p>
-            <a:pPr marL="0" lvl="0" indent="0" algn="r" rtl="0">
+            <a:pPr marL="0" lvl="0" indent="0" algn="ctr" rtl="0">
               <a:spcBef>
                 <a:spcPts val="0"/>
               </a:spcBef>
@@ -7569,7 +7569,7 @@
             </a:pPr>
             <a:r>
               <a:rPr lang="en" dirty="0"/>
-              <a:t>Identifying where the food access program should be deployed by tiers.</a:t>
+              <a:t>Where should the food access program be deployed?</a:t>
             </a:r>
             <a:endParaRPr dirty="0"/>
           </a:p>
@@ -7593,7 +7593,7 @@
         </p:nvSpPr>
         <p:spPr>
           <a:xfrm>
-            <a:off x="3426026" y="2661186"/>
+            <a:off x="3344385" y="2661186"/>
             <a:ext cx="2305500" cy="548700"/>
           </a:xfrm>
           <a:prstGeom prst="rect">
@@ -7606,7 +7606,7 @@
           </a:bodyPr>
           <a:lstStyle/>
           <a:p>
-            <a:pPr marL="0" lvl="0" indent="0" algn="r" rtl="0">
+            <a:pPr marL="0" lvl="0" indent="0" algn="ctr" rtl="0">
               <a:spcBef>
                 <a:spcPts val="0"/>
               </a:spcBef>
@@ -7617,7 +7617,7 @@
             </a:pPr>
             <a:r>
               <a:rPr lang="en" dirty="0"/>
-              <a:t>Breakdown of each tier by race and population groups.</a:t>
+              <a:t>Which subgroups are impacted by the program?</a:t>
             </a:r>
             <a:endParaRPr dirty="0"/>
           </a:p>
@@ -7641,7 +7641,7 @@
         </p:nvSpPr>
         <p:spPr>
           <a:xfrm>
-            <a:off x="2117524" y="1380765"/>
+            <a:off x="1965124" y="1380765"/>
             <a:ext cx="901200" cy="548700"/>
           </a:xfrm>
           <a:prstGeom prst="rect">
@@ -7689,7 +7689,7 @@
         </p:nvSpPr>
         <p:spPr>
           <a:xfrm>
-            <a:off x="4823550" y="1380765"/>
+            <a:off x="4741909" y="1380765"/>
             <a:ext cx="901200" cy="548700"/>
           </a:xfrm>
           <a:prstGeom prst="rect">
@@ -7737,8 +7737,8 @@
         </p:nvSpPr>
         <p:spPr>
           <a:xfrm>
-            <a:off x="6132051" y="2661186"/>
-            <a:ext cx="2305500" cy="548700"/>
+            <a:off x="6057900" y="2661186"/>
+            <a:ext cx="2395980" cy="548700"/>
           </a:xfrm>
           <a:prstGeom prst="rect">
             <a:avLst/>
@@ -7750,7 +7750,7 @@
           </a:bodyPr>
           <a:lstStyle/>
           <a:p>
-            <a:pPr marL="0" lvl="0" indent="0" algn="r" rtl="0">
+            <a:pPr marL="0" lvl="0" indent="0" algn="ctr" rtl="0">
               <a:spcBef>
                 <a:spcPts val="0"/>
               </a:spcBef>
@@ -7761,7 +7761,7 @@
             </a:pPr>
             <a:r>
               <a:rPr lang="en" dirty="0"/>
-              <a:t>Projected impacts and effects of increased food access. </a:t>
+              <a:t>What is the projected  participation? What are the health and socioeconomic impacts?</a:t>
             </a:r>
             <a:endParaRPr dirty="0"/>
           </a:p>
@@ -7785,7 +7785,7 @@
         </p:nvSpPr>
         <p:spPr>
           <a:xfrm>
-            <a:off x="7529575" y="1380765"/>
+            <a:off x="7545904" y="1380765"/>
             <a:ext cx="901200" cy="548700"/>
           </a:xfrm>
           <a:prstGeom prst="rect">
@@ -7833,7 +7833,7 @@
         </p:nvSpPr>
         <p:spPr>
           <a:xfrm>
-            <a:off x="720000" y="2318286"/>
+            <a:off x="567600" y="2318286"/>
             <a:ext cx="2305500" cy="457200"/>
           </a:xfrm>
           <a:prstGeom prst="rect">
@@ -7846,7 +7846,7 @@
           </a:bodyPr>
           <a:lstStyle/>
           <a:p>
-            <a:pPr marL="0" lvl="0" indent="0" algn="r" rtl="0">
+            <a:pPr marL="0" lvl="0" indent="0" algn="ctr" rtl="0">
               <a:spcBef>
                 <a:spcPts val="0"/>
               </a:spcBef>
@@ -7881,7 +7881,7 @@
         </p:nvSpPr>
         <p:spPr>
           <a:xfrm>
-            <a:off x="3426026" y="2318286"/>
+            <a:off x="3344385" y="2318286"/>
             <a:ext cx="2305500" cy="457200"/>
           </a:xfrm>
           <a:prstGeom prst="rect">
@@ -7894,7 +7894,7 @@
           </a:bodyPr>
           <a:lstStyle/>
           <a:p>
-            <a:pPr marL="0" lvl="0" indent="0" algn="r" rtl="0">
+            <a:pPr marL="0" lvl="0" indent="0" algn="ctr" rtl="0">
               <a:spcBef>
                 <a:spcPts val="0"/>
               </a:spcBef>
@@ -7929,7 +7929,7 @@
         </p:nvSpPr>
         <p:spPr>
           <a:xfrm>
-            <a:off x="6132051" y="2318286"/>
+            <a:off x="6148380" y="2318286"/>
             <a:ext cx="2305500" cy="457200"/>
           </a:xfrm>
           <a:prstGeom prst="rect">
@@ -7942,7 +7942,7 @@
           </a:bodyPr>
           <a:lstStyle/>
           <a:p>
-            <a:pPr marL="0" lvl="0" indent="0" algn="r" rtl="0">
+            <a:pPr marL="0" lvl="0" indent="0" algn="ctr" rtl="0">
               <a:spcBef>
                 <a:spcPts val="0"/>
               </a:spcBef>
@@ -7973,7 +7973,7 @@
         </p:nvCxnSpPr>
         <p:spPr>
           <a:xfrm>
-            <a:off x="801475" y="1849525"/>
+            <a:off x="649075" y="1849525"/>
             <a:ext cx="2173200" cy="0"/>
           </a:xfrm>
           <a:prstGeom prst="straightConnector1">
@@ -8005,7 +8005,7 @@
         </p:nvCxnSpPr>
         <p:spPr>
           <a:xfrm>
-            <a:off x="3518113" y="1849525"/>
+            <a:off x="3436472" y="1849525"/>
             <a:ext cx="2173200" cy="0"/>
           </a:xfrm>
           <a:prstGeom prst="straightConnector1">
@@ -8037,7 +8037,7 @@
         </p:nvCxnSpPr>
         <p:spPr>
           <a:xfrm>
-            <a:off x="6216652" y="1849525"/>
+            <a:off x="6232981" y="1849525"/>
             <a:ext cx="2173200" cy="0"/>
           </a:xfrm>
           <a:prstGeom prst="straightConnector1">
@@ -8069,7 +8069,7 @@
         </p:nvGrpSpPr>
         <p:grpSpPr>
           <a:xfrm>
-            <a:off x="3617685" y="1415125"/>
+            <a:off x="3536044" y="1415125"/>
             <a:ext cx="366269" cy="366269"/>
             <a:chOff x="-65131525" y="2281350"/>
             <a:chExt cx="316650" cy="316650"/>
@@ -8308,7 +8308,7 @@
         </p:nvGrpSpPr>
         <p:grpSpPr>
           <a:xfrm>
-            <a:off x="931536" y="1451841"/>
+            <a:off x="779136" y="1451841"/>
             <a:ext cx="298996" cy="340204"/>
             <a:chOff x="1516475" y="238075"/>
             <a:chExt cx="424650" cy="483175"/>
@@ -8706,7 +8706,7 @@
         </p:nvGrpSpPr>
         <p:grpSpPr>
           <a:xfrm>
-            <a:off x="6324474" y="1451841"/>
+            <a:off x="6340803" y="1451841"/>
             <a:ext cx="365760" cy="365760"/>
             <a:chOff x="3959383" y="2686699"/>
             <a:chExt cx="419840" cy="416080"/>
@@ -9734,7 +9734,7 @@
         </p:nvSpPr>
         <p:spPr>
           <a:xfrm>
-            <a:off x="378019" y="253408"/>
+            <a:off x="378019" y="242522"/>
             <a:ext cx="8549171" cy="671340"/>
           </a:xfrm>
           <a:prstGeom prst="rect">
@@ -10944,7 +10944,7 @@
         </p:nvGrpSpPr>
         <p:grpSpPr>
           <a:xfrm>
-            <a:off x="216810" y="824643"/>
+            <a:off x="271240" y="835529"/>
             <a:ext cx="5360547" cy="3341813"/>
             <a:chOff x="216810" y="824643"/>
             <a:chExt cx="5360547" cy="3341813"/>
@@ -11102,7 +11102,7 @@
         </p:blipFill>
         <p:spPr>
           <a:xfrm>
-            <a:off x="4557940" y="1032982"/>
+            <a:off x="4514397" y="993713"/>
             <a:ext cx="4508342" cy="3304105"/>
           </a:xfrm>
           <a:prstGeom prst="rect">
@@ -11733,7 +11733,7 @@
         </p:nvSpPr>
         <p:spPr>
           <a:xfrm>
-            <a:off x="2430682" y="1698924"/>
+            <a:off x="2430682" y="1742468"/>
             <a:ext cx="4022700" cy="457200"/>
           </a:xfrm>
           <a:prstGeom prst="rect">
@@ -12052,7 +12052,7 @@
         </p:nvSpPr>
         <p:spPr>
           <a:xfrm>
-            <a:off x="915034" y="2647713"/>
+            <a:off x="915034" y="2691257"/>
             <a:ext cx="478200" cy="478200"/>
           </a:xfrm>
           <a:prstGeom prst="ellipse">
@@ -12096,7 +12096,7 @@
         </p:nvSpPr>
         <p:spPr>
           <a:xfrm>
-            <a:off x="2973476" y="2647659"/>
+            <a:off x="2973476" y="2691203"/>
             <a:ext cx="478200" cy="478200"/>
           </a:xfrm>
           <a:prstGeom prst="ellipse">
@@ -12140,7 +12140,7 @@
         </p:nvSpPr>
         <p:spPr>
           <a:xfrm>
-            <a:off x="5189465" y="2649155"/>
+            <a:off x="5189465" y="2692699"/>
             <a:ext cx="478200" cy="478200"/>
           </a:xfrm>
           <a:prstGeom prst="ellipse">
@@ -12184,7 +12184,7 @@
         </p:nvSpPr>
         <p:spPr>
           <a:xfrm>
-            <a:off x="7574602" y="2645247"/>
+            <a:off x="7574602" y="2688791"/>
             <a:ext cx="478200" cy="478200"/>
           </a:xfrm>
           <a:prstGeom prst="ellipse">
@@ -12231,7 +12231,7 @@
         </p:nvCxnSpPr>
         <p:spPr>
           <a:xfrm rot="5400000">
-            <a:off x="2557605" y="752653"/>
+            <a:off x="2557605" y="796197"/>
             <a:ext cx="491589" cy="3298530"/>
           </a:xfrm>
           <a:prstGeom prst="bentConnector3">
@@ -12268,7 +12268,7 @@
         </p:nvCxnSpPr>
         <p:spPr>
           <a:xfrm rot="5400000">
-            <a:off x="3586853" y="1781847"/>
+            <a:off x="3586853" y="1825391"/>
             <a:ext cx="491535" cy="1240088"/>
           </a:xfrm>
           <a:prstGeom prst="bentConnector3">
@@ -12305,7 +12305,7 @@
         </p:nvCxnSpPr>
         <p:spPr>
           <a:xfrm rot="16200000" flipH="1">
-            <a:off x="4694099" y="1914688"/>
+            <a:off x="4694099" y="1958232"/>
             <a:ext cx="493031" cy="975901"/>
           </a:xfrm>
           <a:prstGeom prst="bentConnector3">
@@ -12342,7 +12342,7 @@
         </p:nvCxnSpPr>
         <p:spPr>
           <a:xfrm rot="16200000" flipH="1">
-            <a:off x="5888622" y="720166"/>
+            <a:off x="5888622" y="763710"/>
             <a:ext cx="489123" cy="3361038"/>
           </a:xfrm>
           <a:prstGeom prst="bentConnector3">
@@ -12576,7 +12576,7 @@
         </p:nvGrpSpPr>
         <p:grpSpPr>
           <a:xfrm>
-            <a:off x="3062783" y="2731236"/>
+            <a:off x="3062783" y="2774780"/>
             <a:ext cx="320040" cy="320040"/>
             <a:chOff x="5574968" y="2686737"/>
             <a:chExt cx="419724" cy="416041"/>
@@ -13065,7 +13065,7 @@
         </p:nvSpPr>
         <p:spPr>
           <a:xfrm>
-            <a:off x="1007132" y="2781942"/>
+            <a:off x="1007132" y="2825486"/>
             <a:ext cx="320040" cy="320040"/>
           </a:xfrm>
           <a:custGeom>
@@ -14014,7 +14014,7 @@
         </p:nvSpPr>
         <p:spPr>
           <a:xfrm>
-            <a:off x="2430682" y="1658410"/>
+            <a:off x="2430682" y="1701954"/>
             <a:ext cx="3999904" cy="493758"/>
           </a:xfrm>
           <a:prstGeom prst="rect">
@@ -14064,7 +14064,7 @@
         </p:nvGrpSpPr>
         <p:grpSpPr>
           <a:xfrm>
-            <a:off x="5273445" y="2719755"/>
+            <a:off x="5273445" y="2763299"/>
             <a:ext cx="310896" cy="320040"/>
             <a:chOff x="-28461325" y="2701925"/>
             <a:chExt cx="272525" cy="293825"/>
@@ -14575,7 +14575,7 @@
         </p:nvGrpSpPr>
         <p:grpSpPr>
           <a:xfrm>
-            <a:off x="7660900" y="2700159"/>
+            <a:off x="7660900" y="2743703"/>
             <a:ext cx="320040" cy="320040"/>
             <a:chOff x="-60987050" y="2671400"/>
             <a:chExt cx="315850" cy="318825"/>
